--- a/doc/Final report(auto_breakfast).pptx
+++ b/doc/Final report(auto_breakfast).pptx
@@ -14,8 +14,8 @@
     <p:sldId id="265" r:id="rId8"/>
     <p:sldId id="266" r:id="rId9"/>
     <p:sldId id="267" r:id="rId10"/>
-    <p:sldId id="261" r:id="rId11"/>
-    <p:sldId id="262" r:id="rId12"/>
+    <p:sldId id="268" r:id="rId11"/>
+    <p:sldId id="261" r:id="rId12"/>
     <p:sldId id="264" r:id="rId13"/>
   </p:sldIdLst>
   <p:sldSz cx="12192000" cy="6858000"/>
@@ -6465,7 +6465,7 @@
           <a:p>
             <a:r>
               <a:rPr lang="zh-TW" altLang="en-US" dirty="0"/>
-              <a:t>組員</a:t>
+              <a:t>組長</a:t>
             </a:r>
             <a:r>
               <a:rPr lang="en-US" altLang="zh-TW" dirty="0"/>
@@ -6473,7 +6473,15 @@
             </a:r>
             <a:r>
               <a:rPr lang="zh-TW" altLang="en-US" dirty="0"/>
-              <a:t>黃冠晉、呂睿紘、黃舜琦</a:t>
+              <a:t>黃舜琦   組員</a:t>
+            </a:r>
+            <a:r>
+              <a:rPr lang="en-US" altLang="zh-TW" dirty="0"/>
+              <a:t>:</a:t>
+            </a:r>
+            <a:r>
+              <a:rPr lang="zh-TW" altLang="en-US" dirty="0"/>
+              <a:t>黃冠晉、呂睿紘</a:t>
             </a:r>
           </a:p>
         </p:txBody>
@@ -6508,122 +6516,46 @@
           <a:chExt cx="0" cy="0"/>
         </a:xfrm>
       </p:grpSpPr>
-      <p:sp>
-        <p:nvSpPr>
-          <p:cNvPr id="2" name="標題 1">
+      <p:pic>
+        <p:nvPicPr>
+          <p:cNvPr id="5" name="圖片 4">
             <a:extLst>
               <a:ext uri="{FF2B5EF4-FFF2-40B4-BE49-F238E27FC236}">
-                <a16:creationId xmlns:a16="http://schemas.microsoft.com/office/drawing/2014/main" id="{58102B04-CB55-4589-B629-9C6A1FF5CF4D}"/>
+                <a16:creationId xmlns:a16="http://schemas.microsoft.com/office/drawing/2014/main" id="{56DBDC50-69C2-415D-9B7D-B35E75BA5F03}"/>
               </a:ext>
             </a:extLst>
           </p:cNvPr>
-          <p:cNvSpPr>
-            <a:spLocks noGrp="1"/>
-          </p:cNvSpPr>
-          <p:nvPr>
-            <p:ph type="title"/>
-          </p:nvPr>
-        </p:nvSpPr>
-        <p:spPr/>
-        <p:txBody>
-          <a:bodyPr/>
-          <a:lstStyle/>
-          <a:p>
-            <a:r>
-              <a:rPr lang="zh-TW" altLang="en-US" dirty="0"/>
-              <a:t>遇到的問題</a:t>
-            </a:r>
-          </a:p>
-        </p:txBody>
-      </p:sp>
-      <p:sp>
-        <p:nvSpPr>
-          <p:cNvPr id="3" name="內容版面配置區 2">
+          <p:cNvPicPr>
+            <a:picLocks noChangeAspect="1"/>
+          </p:cNvPicPr>
+          <p:nvPr/>
+        </p:nvPicPr>
+        <p:blipFill>
+          <a:blip r:embed="rId2">
             <a:extLst>
-              <a:ext uri="{FF2B5EF4-FFF2-40B4-BE49-F238E27FC236}">
-                <a16:creationId xmlns:a16="http://schemas.microsoft.com/office/drawing/2014/main" id="{2B703857-7676-40E5-8AE5-B0C4D42C297E}"/>
+              <a:ext uri="{28A0092B-C50C-407E-A947-70E740481C1C}">
+                <a14:useLocalDpi xmlns:a14="http://schemas.microsoft.com/office/drawing/2010/main" val="0"/>
               </a:ext>
             </a:extLst>
-          </p:cNvPr>
-          <p:cNvSpPr>
-            <a:spLocks noGrp="1"/>
-          </p:cNvSpPr>
-          <p:nvPr>
-            <p:ph sz="quarter" idx="13"/>
-          </p:nvPr>
-        </p:nvSpPr>
+          </a:blip>
+          <a:stretch>
+            <a:fillRect/>
+          </a:stretch>
+        </p:blipFill>
         <p:spPr>
           <a:xfrm>
-            <a:off x="687976" y="849017"/>
-            <a:ext cx="10394707" cy="3311189"/>
-          </a:xfrm>
-        </p:spPr>
-        <p:txBody>
-          <a:bodyPr/>
-          <a:lstStyle/>
-          <a:p>
-            <a:r>
-              <a:rPr lang="en-US" altLang="zh-TW" dirty="0"/>
-              <a:t>RTC</a:t>
-            </a:r>
-            <a:r>
-              <a:rPr lang="zh-TW" altLang="en-US" dirty="0"/>
-              <a:t>篇</a:t>
-            </a:r>
-            <a:endParaRPr lang="en-US" altLang="zh-TW" dirty="0"/>
-          </a:p>
-          <a:p>
-            <a:pPr marL="0" indent="0">
-              <a:buNone/>
-            </a:pPr>
-            <a:r>
-              <a:rPr lang="en-US" altLang="zh-TW" dirty="0"/>
-              <a:t>	</a:t>
-            </a:r>
-            <a:r>
-              <a:rPr lang="zh-TW" altLang="en-US" dirty="0"/>
-              <a:t>在讀</a:t>
-            </a:r>
-            <a:r>
-              <a:rPr lang="en-US" altLang="zh-TW" dirty="0"/>
-              <a:t>Datasheet</a:t>
-            </a:r>
-            <a:r>
-              <a:rPr lang="zh-TW" altLang="en-US" dirty="0"/>
-              <a:t>的時候上面圖說寫地址再給時脈就可以讀去那位址的資訊，可在寫時發現讀不出來，後來去網路上找範例後，發現他是打初始地址然後給</a:t>
-            </a:r>
-            <a:r>
-              <a:rPr lang="en-US" altLang="zh-TW" dirty="0"/>
-              <a:t>8</a:t>
-            </a:r>
-            <a:r>
-              <a:rPr lang="zh-TW" altLang="en-US" dirty="0"/>
-              <a:t>個</a:t>
-            </a:r>
-            <a:r>
-              <a:rPr lang="en-US" altLang="zh-TW" dirty="0"/>
-              <a:t>1BYTE</a:t>
-            </a:r>
-            <a:r>
-              <a:rPr lang="zh-TW" altLang="en-US" dirty="0"/>
-              <a:t>時脈一次把所有時間讀出來，隨後我就用</a:t>
-            </a:r>
-            <a:r>
-              <a:rPr lang="en-US" altLang="zh-TW" dirty="0"/>
-              <a:t>PIC18</a:t>
-            </a:r>
-            <a:r>
-              <a:rPr lang="zh-TW" altLang="en-US" dirty="0"/>
-              <a:t>模擬出波形，解決這問題。</a:t>
-            </a:r>
-            <a:endParaRPr lang="en-US" altLang="zh-TW" dirty="0"/>
-          </a:p>
-        </p:txBody>
-      </p:sp>
+            <a:off x="1226820" y="86360"/>
+            <a:ext cx="9067800" cy="5486400"/>
+          </a:xfrm>
+          <a:prstGeom prst="rect">
+            <a:avLst/>
+          </a:prstGeom>
+        </p:spPr>
+      </p:pic>
     </p:spTree>
     <p:extLst>
       <p:ext uri="{BB962C8B-B14F-4D97-AF65-F5344CB8AC3E}">
-        <p14:creationId xmlns:p14="http://schemas.microsoft.com/office/powerpoint/2010/main" val="2871100350"/>
+        <p14:creationId xmlns:p14="http://schemas.microsoft.com/office/powerpoint/2010/main" val="3181509162"/>
       </p:ext>
     </p:extLst>
   </p:cSld>
@@ -6655,7 +6587,7 @@
           <p:cNvPr id="2" name="標題 1">
             <a:extLst>
               <a:ext uri="{FF2B5EF4-FFF2-40B4-BE49-F238E27FC236}">
-                <a16:creationId xmlns:a16="http://schemas.microsoft.com/office/drawing/2014/main" id="{190671BD-930D-4D6A-8C98-6864036B9292}"/>
+                <a16:creationId xmlns:a16="http://schemas.microsoft.com/office/drawing/2014/main" id="{58102B04-CB55-4589-B629-9C6A1FF5CF4D}"/>
               </a:ext>
             </a:extLst>
           </p:cNvPr>
@@ -6683,7 +6615,7 @@
           <p:cNvPr id="3" name="內容版面配置區 2">
             <a:extLst>
               <a:ext uri="{FF2B5EF4-FFF2-40B4-BE49-F238E27FC236}">
-                <a16:creationId xmlns:a16="http://schemas.microsoft.com/office/drawing/2014/main" id="{34223C08-C0C9-4D37-8ED9-5B1D9F2A2C63}"/>
+                <a16:creationId xmlns:a16="http://schemas.microsoft.com/office/drawing/2014/main" id="{2B703857-7676-40E5-8AE5-B0C4D42C297E}"/>
               </a:ext>
             </a:extLst>
           </p:cNvPr>
@@ -6696,7 +6628,7 @@
         </p:nvSpPr>
         <p:spPr>
           <a:xfrm>
-            <a:off x="685801" y="1118516"/>
+            <a:off x="687976" y="849017"/>
             <a:ext cx="10394707" cy="3311189"/>
           </a:xfrm>
         </p:spPr>
@@ -6705,8 +6637,12 @@
           <a:lstStyle/>
           <a:p>
             <a:r>
+              <a:rPr lang="en-US" altLang="zh-TW" dirty="0"/>
+              <a:t>RTC</a:t>
+            </a:r>
+            <a:r>
               <a:rPr lang="zh-TW" altLang="en-US" dirty="0"/>
-              <a:t>整合篇</a:t>
+              <a:t>篇</a:t>
             </a:r>
             <a:endParaRPr lang="en-US" altLang="zh-TW" dirty="0"/>
           </a:p>
@@ -6720,55 +6656,348 @@
             </a:r>
             <a:r>
               <a:rPr lang="zh-TW" altLang="en-US" dirty="0"/>
+              <a:t>在讀</a:t>
+            </a:r>
+            <a:r>
+              <a:rPr lang="en-US" altLang="zh-TW" dirty="0"/>
+              <a:t>Datasheet</a:t>
+            </a:r>
+            <a:r>
+              <a:rPr lang="zh-TW" altLang="en-US" dirty="0"/>
+              <a:t>的時候上面圖說寫地址再給時脈就可以讀去那位址的資訊，可在寫時發現讀不出來，後來去網路上找範例後，發現他是打初始地址然後給</a:t>
+            </a:r>
+            <a:r>
+              <a:rPr lang="en-US" altLang="zh-TW" dirty="0"/>
+              <a:t>8</a:t>
+            </a:r>
+            <a:r>
+              <a:rPr lang="zh-TW" altLang="en-US" dirty="0"/>
+              <a:t>個</a:t>
+            </a:r>
+            <a:r>
+              <a:rPr lang="en-US" altLang="zh-TW" dirty="0"/>
+              <a:t>1BYTE</a:t>
+            </a:r>
+            <a:r>
+              <a:rPr lang="zh-TW" altLang="en-US" dirty="0"/>
+              <a:t>時脈一次把所有時間讀出來，隨後我就用</a:t>
+            </a:r>
+            <a:r>
+              <a:rPr lang="en-US" altLang="zh-TW" dirty="0"/>
+              <a:t>PIC18</a:t>
+            </a:r>
+            <a:r>
+              <a:rPr lang="zh-TW" altLang="en-US" dirty="0"/>
+              <a:t>模擬出波形，解決這問題。</a:t>
+            </a:r>
+            <a:endParaRPr lang="en-US" altLang="zh-TW" dirty="0"/>
+          </a:p>
+        </p:txBody>
+      </p:sp>
+      <p:sp>
+        <p:nvSpPr>
+          <p:cNvPr id="4" name="內容版面配置區 2">
+            <a:extLst>
+              <a:ext uri="{FF2B5EF4-FFF2-40B4-BE49-F238E27FC236}">
+                <a16:creationId xmlns:a16="http://schemas.microsoft.com/office/drawing/2014/main" id="{663D4C47-3CB1-4740-85FC-8E5D51E719B0}"/>
+              </a:ext>
+            </a:extLst>
+          </p:cNvPr>
+          <p:cNvSpPr txBox="1">
+            <a:spLocks/>
+          </p:cNvSpPr>
+          <p:nvPr/>
+        </p:nvSpPr>
+        <p:spPr>
+          <a:xfrm>
+            <a:off x="685801" y="2697794"/>
+            <a:ext cx="10394707" cy="3311189"/>
+          </a:xfrm>
+          <a:prstGeom prst="rect">
+            <a:avLst/>
+          </a:prstGeom>
+        </p:spPr>
+        <p:txBody>
+          <a:bodyPr vert="horz" lIns="91440" tIns="45720" rIns="91440" bIns="45720" rtlCol="0" anchor="ctr">
+            <a:normAutofit/>
+          </a:bodyPr>
+          <a:lstStyle>
+            <a:lvl1pPr marL="228600" indent="-228600" algn="l" defTabSz="914400" rtl="0" eaLnBrk="1" latinLnBrk="0" hangingPunct="1">
+              <a:lnSpc>
+                <a:spcPct val="120000"/>
+              </a:lnSpc>
+              <a:spcBef>
+                <a:spcPts val="1000"/>
+              </a:spcBef>
+              <a:buClr>
+                <a:schemeClr val="accent1"/>
+              </a:buClr>
+              <a:buSzPct val="160000"/>
+              <a:buFont typeface="Arial" panose="020B0604020202020204" pitchFamily="34" charset="0"/>
+              <a:buChar char="•"/>
+              <a:defRPr sz="2000" kern="1200" cap="all" baseline="0">
+                <a:solidFill>
+                  <a:schemeClr val="tx1"/>
+                </a:solidFill>
+                <a:effectLst/>
+                <a:latin typeface="+mn-lt"/>
+                <a:ea typeface="+mn-ea"/>
+                <a:cs typeface="+mn-cs"/>
+              </a:defRPr>
+            </a:lvl1pPr>
+            <a:lvl2pPr marL="685800" indent="-228600" algn="l" defTabSz="914400" rtl="0" eaLnBrk="1" latinLnBrk="0" hangingPunct="1">
+              <a:lnSpc>
+                <a:spcPct val="120000"/>
+              </a:lnSpc>
+              <a:spcBef>
+                <a:spcPts val="500"/>
+              </a:spcBef>
+              <a:buClr>
+                <a:schemeClr val="accent1"/>
+              </a:buClr>
+              <a:buSzPct val="160000"/>
+              <a:buFont typeface="Arial" panose="020B0604020202020204" pitchFamily="34" charset="0"/>
+              <a:buChar char="•"/>
+              <a:defRPr sz="1800" kern="1200" cap="all" baseline="0">
+                <a:solidFill>
+                  <a:schemeClr val="tx1"/>
+                </a:solidFill>
+                <a:effectLst/>
+                <a:latin typeface="+mn-lt"/>
+                <a:ea typeface="+mn-ea"/>
+                <a:cs typeface="+mn-cs"/>
+              </a:defRPr>
+            </a:lvl2pPr>
+            <a:lvl3pPr marL="1143000" indent="-228600" algn="l" defTabSz="914400" rtl="0" eaLnBrk="1" latinLnBrk="0" hangingPunct="1">
+              <a:lnSpc>
+                <a:spcPct val="120000"/>
+              </a:lnSpc>
+              <a:spcBef>
+                <a:spcPts val="500"/>
+              </a:spcBef>
+              <a:buClr>
+                <a:schemeClr val="accent1"/>
+              </a:buClr>
+              <a:buSzPct val="160000"/>
+              <a:buFont typeface="Arial" panose="020B0604020202020204" pitchFamily="34" charset="0"/>
+              <a:buChar char="•"/>
+              <a:defRPr sz="1600" kern="1200" cap="all" baseline="0">
+                <a:solidFill>
+                  <a:schemeClr val="tx1"/>
+                </a:solidFill>
+                <a:effectLst/>
+                <a:latin typeface="+mn-lt"/>
+                <a:ea typeface="+mn-ea"/>
+                <a:cs typeface="+mn-cs"/>
+              </a:defRPr>
+            </a:lvl3pPr>
+            <a:lvl4pPr marL="1600200" indent="-228600" algn="l" defTabSz="914400" rtl="0" eaLnBrk="1" latinLnBrk="0" hangingPunct="1">
+              <a:lnSpc>
+                <a:spcPct val="120000"/>
+              </a:lnSpc>
+              <a:spcBef>
+                <a:spcPts val="500"/>
+              </a:spcBef>
+              <a:buClr>
+                <a:schemeClr val="accent1"/>
+              </a:buClr>
+              <a:buSzPct val="160000"/>
+              <a:buFont typeface="Arial" panose="020B0604020202020204" pitchFamily="34" charset="0"/>
+              <a:buChar char="•"/>
+              <a:defRPr sz="1400" kern="1200" cap="all" baseline="0">
+                <a:solidFill>
+                  <a:schemeClr val="tx1"/>
+                </a:solidFill>
+                <a:effectLst/>
+                <a:latin typeface="+mn-lt"/>
+                <a:ea typeface="+mn-ea"/>
+                <a:cs typeface="+mn-cs"/>
+              </a:defRPr>
+            </a:lvl4pPr>
+            <a:lvl5pPr marL="2057400" indent="-228600" algn="l" defTabSz="914400" rtl="0" eaLnBrk="1" latinLnBrk="0" hangingPunct="1">
+              <a:lnSpc>
+                <a:spcPct val="120000"/>
+              </a:lnSpc>
+              <a:spcBef>
+                <a:spcPts val="500"/>
+              </a:spcBef>
+              <a:buClr>
+                <a:schemeClr val="accent1"/>
+              </a:buClr>
+              <a:buSzPct val="160000"/>
+              <a:buFont typeface="Arial" panose="020B0604020202020204" pitchFamily="34" charset="0"/>
+              <a:buChar char="•"/>
+              <a:defRPr sz="1400" kern="1200" cap="all" baseline="0">
+                <a:solidFill>
+                  <a:schemeClr val="tx1"/>
+                </a:solidFill>
+                <a:effectLst/>
+                <a:latin typeface="+mn-lt"/>
+                <a:ea typeface="+mn-ea"/>
+                <a:cs typeface="+mn-cs"/>
+              </a:defRPr>
+            </a:lvl5pPr>
+            <a:lvl6pPr marL="2514600" indent="-228600" algn="l" defTabSz="914400" rtl="0" eaLnBrk="1" latinLnBrk="0" hangingPunct="1">
+              <a:lnSpc>
+                <a:spcPct val="120000"/>
+              </a:lnSpc>
+              <a:spcBef>
+                <a:spcPts val="500"/>
+              </a:spcBef>
+              <a:buClr>
+                <a:schemeClr val="accent1"/>
+              </a:buClr>
+              <a:buSzPct val="160000"/>
+              <a:buFont typeface="Arial" panose="020B0604020202020204" pitchFamily="34" charset="0"/>
+              <a:buChar char="•"/>
+              <a:defRPr sz="1400" kern="1200" cap="all" baseline="0">
+                <a:solidFill>
+                  <a:schemeClr val="tx1"/>
+                </a:solidFill>
+                <a:effectLst/>
+                <a:latin typeface="+mn-lt"/>
+                <a:ea typeface="+mn-ea"/>
+                <a:cs typeface="+mn-cs"/>
+              </a:defRPr>
+            </a:lvl6pPr>
+            <a:lvl7pPr marL="2971800" indent="-228600" algn="l" defTabSz="914400" rtl="0" eaLnBrk="1" latinLnBrk="0" hangingPunct="1">
+              <a:lnSpc>
+                <a:spcPct val="120000"/>
+              </a:lnSpc>
+              <a:spcBef>
+                <a:spcPts val="500"/>
+              </a:spcBef>
+              <a:buClr>
+                <a:schemeClr val="accent1"/>
+              </a:buClr>
+              <a:buSzPct val="160000"/>
+              <a:buFont typeface="Arial" panose="020B0604020202020204" pitchFamily="34" charset="0"/>
+              <a:buChar char="•"/>
+              <a:defRPr sz="1400" kern="1200" cap="all" baseline="0">
+                <a:solidFill>
+                  <a:schemeClr val="tx1"/>
+                </a:solidFill>
+                <a:effectLst/>
+                <a:latin typeface="+mn-lt"/>
+                <a:ea typeface="+mn-ea"/>
+                <a:cs typeface="+mn-cs"/>
+              </a:defRPr>
+            </a:lvl7pPr>
+            <a:lvl8pPr marL="3429000" indent="-228600" algn="l" defTabSz="914400" rtl="0" eaLnBrk="1" latinLnBrk="0" hangingPunct="1">
+              <a:lnSpc>
+                <a:spcPct val="120000"/>
+              </a:lnSpc>
+              <a:spcBef>
+                <a:spcPts val="500"/>
+              </a:spcBef>
+              <a:buClr>
+                <a:schemeClr val="accent1"/>
+              </a:buClr>
+              <a:buSzPct val="160000"/>
+              <a:buFont typeface="Arial" panose="020B0604020202020204" pitchFamily="34" charset="0"/>
+              <a:buChar char="•"/>
+              <a:defRPr sz="1400" kern="1200" cap="all" baseline="0">
+                <a:solidFill>
+                  <a:schemeClr val="tx1"/>
+                </a:solidFill>
+                <a:effectLst/>
+                <a:latin typeface="+mn-lt"/>
+                <a:ea typeface="+mn-ea"/>
+                <a:cs typeface="+mn-cs"/>
+              </a:defRPr>
+            </a:lvl8pPr>
+            <a:lvl9pPr marL="3886200" indent="-228600" algn="l" defTabSz="914400" rtl="0" eaLnBrk="1" latinLnBrk="0" hangingPunct="1">
+              <a:lnSpc>
+                <a:spcPct val="120000"/>
+              </a:lnSpc>
+              <a:spcBef>
+                <a:spcPts val="500"/>
+              </a:spcBef>
+              <a:buClr>
+                <a:schemeClr val="accent1"/>
+              </a:buClr>
+              <a:buSzPct val="160000"/>
+              <a:buFont typeface="Arial" panose="020B0604020202020204" pitchFamily="34" charset="0"/>
+              <a:buChar char="•"/>
+              <a:defRPr sz="1400" kern="1200" cap="all" baseline="0">
+                <a:solidFill>
+                  <a:schemeClr val="tx1"/>
+                </a:solidFill>
+                <a:effectLst/>
+                <a:latin typeface="+mn-lt"/>
+                <a:ea typeface="+mn-ea"/>
+                <a:cs typeface="+mn-cs"/>
+              </a:defRPr>
+            </a:lvl9pPr>
+          </a:lstStyle>
+          <a:p>
+            <a:r>
+              <a:rPr lang="zh-TW" altLang="en-US"/>
+              <a:t>整合篇</a:t>
+            </a:r>
+            <a:endParaRPr lang="en-US" altLang="zh-TW"/>
+          </a:p>
+          <a:p>
+            <a:pPr marL="0" indent="0">
+              <a:buFont typeface="Arial" panose="020B0604020202020204" pitchFamily="34" charset="0"/>
+              <a:buNone/>
+            </a:pPr>
+            <a:r>
+              <a:rPr lang="en-US" altLang="zh-TW"/>
+              <a:t>	</a:t>
+            </a:r>
+            <a:r>
+              <a:rPr lang="zh-TW" altLang="en-US"/>
               <a:t>當把各自的程式打完做整合時，發現本身在時脈上的設定有所差異，所以在把</a:t>
             </a:r>
             <a:r>
-              <a:rPr lang="en-US" altLang="zh-TW" dirty="0"/>
+              <a:rPr lang="en-US" altLang="zh-TW"/>
               <a:t>UART</a:t>
             </a:r>
             <a:r>
-              <a:rPr lang="zh-TW" altLang="en-US" dirty="0"/>
+              <a:rPr lang="zh-TW" altLang="en-US"/>
               <a:t>加進去時程式無法正常動作，改好後則是換</a:t>
             </a:r>
             <a:r>
-              <a:rPr lang="en-US" altLang="zh-TW" dirty="0"/>
+              <a:rPr lang="en-US" altLang="zh-TW"/>
               <a:t>PWM</a:t>
             </a:r>
             <a:r>
-              <a:rPr lang="zh-TW" altLang="en-US" dirty="0"/>
+              <a:rPr lang="zh-TW" altLang="en-US"/>
               <a:t>加進來後的問題，但就像老師說的可以用中斷旗標來控制，後來我有想到可以用</a:t>
             </a:r>
             <a:r>
-              <a:rPr lang="en-US" altLang="zh-TW" dirty="0"/>
+              <a:rPr lang="en-US" altLang="zh-TW"/>
               <a:t>TIMER</a:t>
             </a:r>
             <a:r>
-              <a:rPr lang="zh-TW" altLang="en-US" dirty="0"/>
+              <a:rPr lang="zh-TW" altLang="en-US"/>
               <a:t>的旗標然後累加控制</a:t>
             </a:r>
             <a:r>
-              <a:rPr lang="en-US" altLang="zh-TW" dirty="0"/>
+              <a:rPr lang="en-US" altLang="zh-TW"/>
               <a:t>RTC</a:t>
             </a:r>
             <a:r>
-              <a:rPr lang="zh-TW" altLang="en-US" dirty="0"/>
+              <a:rPr lang="zh-TW" altLang="en-US"/>
               <a:t>讓他每</a:t>
             </a:r>
             <a:r>
-              <a:rPr lang="en-US" altLang="zh-TW" dirty="0"/>
+              <a:rPr lang="en-US" altLang="zh-TW"/>
               <a:t>10</a:t>
             </a:r>
             <a:r>
-              <a:rPr lang="zh-TW" altLang="en-US" dirty="0"/>
+              <a:rPr lang="zh-TW" altLang="en-US"/>
               <a:t>秒來抓值，剩餘的時間給七段顯示器去掃描，這樣的話七段顯示器就不會這麼暗了。</a:t>
             </a:r>
+            <a:endParaRPr lang="zh-TW" altLang="en-US" dirty="0"/>
           </a:p>
         </p:txBody>
       </p:sp>
     </p:spTree>
     <p:extLst>
       <p:ext uri="{BB962C8B-B14F-4D97-AF65-F5344CB8AC3E}">
-        <p14:creationId xmlns:p14="http://schemas.microsoft.com/office/powerpoint/2010/main" val="2410754382"/>
+        <p14:creationId xmlns:p14="http://schemas.microsoft.com/office/powerpoint/2010/main" val="2871100350"/>
       </p:ext>
     </p:extLst>
   </p:cSld>
